--- a/m5/ppt/Презентация 5.pptx
+++ b/m5/ppt/Презентация 5.pptx
@@ -18413,7 +18413,7 @@
         </p:nvSpPr>
         <p:spPr>
           <a:xfrm>
-            <a:off x="394658" y="2069573"/>
+            <a:off x="448979" y="1942824"/>
             <a:ext cx="11021959" cy="4350720"/>
           </a:xfrm>
         </p:spPr>
@@ -18426,15 +18426,15 @@
               <a:buAutoNum type="arabicPeriod"/>
             </a:pPr>
             <a:r>
-              <a:rPr lang="ru-RU" dirty="0"/>
+              <a:rPr lang="ru-RU" sz="4000" dirty="0"/>
               <a:t>Метод __</a:t>
             </a:r>
             <a:r>
-              <a:rPr lang="ru-RU" dirty="0" err="1"/>
+              <a:rPr lang="ru-RU" sz="4000" dirty="0" err="1"/>
               <a:t>call</a:t>
             </a:r>
             <a:r>
-              <a:rPr lang="ru-RU" dirty="0"/>
+              <a:rPr lang="ru-RU" sz="4000" dirty="0"/>
               <a:t>__. Функторы и классы-декораторы</a:t>
             </a:r>
           </a:p>
@@ -18444,15 +18444,15 @@
               <a:buAutoNum type="arabicPeriod"/>
             </a:pPr>
             <a:r>
-              <a:rPr lang="ru-RU" dirty="0"/>
+              <a:rPr lang="ru-RU" sz="4000" dirty="0"/>
               <a:t>Метод __</a:t>
             </a:r>
             <a:r>
-              <a:rPr lang="ru-RU" dirty="0" err="1"/>
+              <a:rPr lang="ru-RU" sz="4000" dirty="0" err="1"/>
               <a:t>new</a:t>
             </a:r>
             <a:r>
-              <a:rPr lang="ru-RU" dirty="0"/>
+              <a:rPr lang="ru-RU" sz="4000" dirty="0"/>
               <a:t>__. Паттерн синглетон</a:t>
             </a:r>
           </a:p>
@@ -18462,14 +18462,14 @@
               <a:buAutoNum type="arabicPeriod"/>
             </a:pPr>
             <a:r>
-              <a:rPr lang="ru-RU" dirty="0"/>
+              <a:rPr lang="ru-RU" sz="4000" dirty="0"/>
               <a:t>Паттерн </a:t>
             </a:r>
             <a:r>
-              <a:rPr lang="ru-RU" dirty="0" err="1"/>
+              <a:rPr lang="ru-RU" sz="4000" dirty="0" err="1"/>
               <a:t>matching</a:t>
             </a:r>
-            <a:endParaRPr lang="ru-RU" dirty="0"/>
+            <a:endParaRPr lang="ru-RU" sz="4000" dirty="0"/>
           </a:p>
           <a:p>
             <a:pPr marL="743430" indent="-742950">
@@ -18477,15 +18477,15 @@
               <a:buAutoNum type="arabicPeriod"/>
             </a:pPr>
             <a:r>
-              <a:rPr lang="ru-RU" dirty="0"/>
+              <a:rPr lang="ru-RU" sz="4000" dirty="0"/>
               <a:t>Слоты. Коллекция __</a:t>
             </a:r>
             <a:r>
-              <a:rPr lang="ru-RU" dirty="0" err="1"/>
+              <a:rPr lang="ru-RU" sz="4000" dirty="0" err="1"/>
               <a:t>slots</a:t>
             </a:r>
             <a:r>
-              <a:rPr lang="ru-RU" dirty="0"/>
+              <a:rPr lang="ru-RU" sz="4000" dirty="0"/>
               <a:t>__</a:t>
             </a:r>
           </a:p>
@@ -18495,7 +18495,7 @@
               <a:buAutoNum type="arabicPeriod"/>
             </a:pPr>
             <a:r>
-              <a:rPr lang="ru-RU" dirty="0"/>
+              <a:rPr lang="ru-RU" sz="4000" dirty="0"/>
               <a:t>Паттерн моносостояние</a:t>
             </a:r>
           </a:p>
@@ -18505,7 +18505,7 @@
               <a:buAutoNum type="arabicPeriod"/>
             </a:pPr>
             <a:r>
-              <a:rPr lang="ru-RU" dirty="0"/>
+              <a:rPr lang="ru-RU" sz="4000" dirty="0"/>
               <a:t>Практические задачи</a:t>
             </a:r>
           </a:p>
